--- a/uke_2/slides/intro-aws.pptx
+++ b/uke_2/slides/intro-aws.pptx
@@ -279,7 +279,7 @@
               </c:numCache>
             </c:numRef>
           </c:val>
-          <c:extLst xmlns:mc="http://schemas.openxmlformats.org/markup-compatibility/2006" xmlns:c14="http://schemas.microsoft.com/office/drawing/2007/8/2/chart" xmlns:c16="http://schemas.microsoft.com/office/drawing/2014/chart" xmlns:c16r3="http://schemas.microsoft.com/office/drawing/2017/03/chart">
+          <c:extLst xmlns:c16r3="http://schemas.microsoft.com/office/drawing/2017/03/chart" xmlns:c16="http://schemas.microsoft.com/office/drawing/2014/chart" xmlns:c14="http://schemas.microsoft.com/office/drawing/2007/8/2/chart" xmlns:mc="http://schemas.openxmlformats.org/markup-compatibility/2006">
             <c:ext xmlns:c16="http://schemas.microsoft.com/office/drawing/2014/chart" uri="{C3380CC4-5D6E-409C-BE32-E72D297353CC}">
               <c16:uniqueId val="{00000000-6E47-DC49-8924-0264C939B55F}"/>
             </c:ext>
@@ -408,7 +408,7 @@
               </c:numCache>
             </c:numRef>
           </c:val>
-          <c:extLst xmlns:mc="http://schemas.openxmlformats.org/markup-compatibility/2006" xmlns:c14="http://schemas.microsoft.com/office/drawing/2007/8/2/chart" xmlns:c16="http://schemas.microsoft.com/office/drawing/2014/chart" xmlns:c16r3="http://schemas.microsoft.com/office/drawing/2017/03/chart">
+          <c:extLst xmlns:c16r3="http://schemas.microsoft.com/office/drawing/2017/03/chart" xmlns:c16="http://schemas.microsoft.com/office/drawing/2014/chart" xmlns:c14="http://schemas.microsoft.com/office/drawing/2007/8/2/chart" xmlns:mc="http://schemas.openxmlformats.org/markup-compatibility/2006">
             <c:ext xmlns:c16="http://schemas.microsoft.com/office/drawing/2014/chart" uri="{C3380CC4-5D6E-409C-BE32-E72D297353CC}">
               <c16:uniqueId val="{00000001-6E47-DC49-8924-0264C939B55F}"/>
             </c:ext>
@@ -540,7 +540,7 @@
               </c:numCache>
             </c:numRef>
           </c:val>
-          <c:extLst xmlns:mc="http://schemas.openxmlformats.org/markup-compatibility/2006" xmlns:c14="http://schemas.microsoft.com/office/drawing/2007/8/2/chart" xmlns:c16="http://schemas.microsoft.com/office/drawing/2014/chart" xmlns:c16r3="http://schemas.microsoft.com/office/drawing/2017/03/chart">
+          <c:extLst xmlns:c16r3="http://schemas.microsoft.com/office/drawing/2017/03/chart" xmlns:c16="http://schemas.microsoft.com/office/drawing/2014/chart" xmlns:c14="http://schemas.microsoft.com/office/drawing/2007/8/2/chart" xmlns:mc="http://schemas.openxmlformats.org/markup-compatibility/2006">
             <c:ext xmlns:c16="http://schemas.microsoft.com/office/drawing/2014/chart" uri="{C3380CC4-5D6E-409C-BE32-E72D297353CC}">
               <c16:uniqueId val="{00000002-6E47-DC49-8924-0264C939B55F}"/>
             </c:ext>
@@ -695,7 +695,7 @@
     </c:legend>
     <c:plotVisOnly val="1"/>
     <c:dispBlanksAs val="gap"/>
-    <c:extLst xmlns:mc="http://schemas.openxmlformats.org/markup-compatibility/2006" xmlns:c14="http://schemas.microsoft.com/office/drawing/2007/8/2/chart" xmlns:c16="http://schemas.microsoft.com/office/drawing/2014/chart" xmlns:c16r3="http://schemas.microsoft.com/office/drawing/2017/03/chart">
+    <c:extLst xmlns:c16r3="http://schemas.microsoft.com/office/drawing/2017/03/chart" xmlns:c16="http://schemas.microsoft.com/office/drawing/2014/chart" xmlns:c14="http://schemas.microsoft.com/office/drawing/2007/8/2/chart" xmlns:mc="http://schemas.openxmlformats.org/markup-compatibility/2006">
       <c:ext xmlns:c16r3="http://schemas.microsoft.com/office/drawing/2017/03/chart" uri="{56B9EC1D-385E-4148-901F-78D8002777C0}">
         <c16r3:dataDisplayOptions16>
           <c16r3:dispNaAsBlank val="1"/>
@@ -1320,7 +1320,7 @@
           <a:p>
             <a:fld id="{49CA5DFB-2FB5-E74A-9E81-DFE01421C742}" type="datetimeFigureOut">
               <a:rPr lang="en-NO" smtClean="0"/>
-              <a:t>09/01/2025</a:t>
+              <a:t>12/01/2025</a:t>
             </a:fld>
             <a:endParaRPr lang="en-NO"/>
           </a:p>
@@ -1744,7 +1744,7 @@
           <a:p>
             <a:fld id="{2E405B87-0B1C-464B-928F-AA5E9D282D70}" type="datetimeFigureOut">
               <a:rPr lang="en-US" smtClean="0"/>
-              <a:t>1/9/25</a:t>
+              <a:t>1/12/25</a:t>
             </a:fld>
             <a:endParaRPr lang="en-US"/>
           </a:p>
@@ -2446,7 +2446,7 @@
           <a:p>
             <a:fld id="{2E405B87-0B1C-464B-928F-AA5E9D282D70}" type="datetimeFigureOut">
               <a:rPr lang="en-US" smtClean="0"/>
-              <a:t>1/9/25</a:t>
+              <a:t>1/12/25</a:t>
             </a:fld>
             <a:endParaRPr lang="en-US"/>
           </a:p>
@@ -3003,7 +3003,7 @@
           <a:p>
             <a:fld id="{2E405B87-0B1C-464B-928F-AA5E9D282D70}" type="datetimeFigureOut">
               <a:rPr lang="en-US" smtClean="0"/>
-              <a:t>1/9/25</a:t>
+              <a:t>1/12/25</a:t>
             </a:fld>
             <a:endParaRPr lang="en-US"/>
           </a:p>
@@ -3491,7 +3491,7 @@
           <a:p>
             <a:fld id="{2E405B87-0B1C-464B-928F-AA5E9D282D70}" type="datetimeFigureOut">
               <a:rPr lang="en-US" smtClean="0"/>
-              <a:t>1/9/25</a:t>
+              <a:t>1/12/25</a:t>
             </a:fld>
             <a:endParaRPr lang="en-US"/>
           </a:p>
@@ -3681,7 +3681,7 @@
           <a:p>
             <a:fld id="{2E405B87-0B1C-464B-928F-AA5E9D282D70}" type="datetimeFigureOut">
               <a:rPr lang="en-US" smtClean="0"/>
-              <a:t>1/9/25</a:t>
+              <a:t>1/12/25</a:t>
             </a:fld>
             <a:endParaRPr lang="en-US"/>
           </a:p>
@@ -4103,7 +4103,7 @@
           <a:p>
             <a:fld id="{2E405B87-0B1C-464B-928F-AA5E9D282D70}" type="datetimeFigureOut">
               <a:rPr lang="en-US" smtClean="0"/>
-              <a:t>1/9/25</a:t>
+              <a:t>1/12/25</a:t>
             </a:fld>
             <a:endParaRPr lang="en-US"/>
           </a:p>
@@ -4237,7 +4237,7 @@
           <a:p>
             <a:fld id="{2E405B87-0B1C-464B-928F-AA5E9D282D70}" type="datetimeFigureOut">
               <a:rPr lang="en-US" smtClean="0"/>
-              <a:t>1/9/25</a:t>
+              <a:t>1/12/25</a:t>
             </a:fld>
             <a:endParaRPr lang="en-US"/>
           </a:p>
@@ -4547,7 +4547,7 @@
           <a:p>
             <a:fld id="{2E405B87-0B1C-464B-928F-AA5E9D282D70}" type="datetimeFigureOut">
               <a:rPr lang="en-US" smtClean="0"/>
-              <a:t>1/9/25</a:t>
+              <a:t>1/12/25</a:t>
             </a:fld>
             <a:endParaRPr lang="en-US"/>
           </a:p>
@@ -5623,7 +5623,7 @@
           <a:p>
             <a:fld id="{2E405B87-0B1C-464B-928F-AA5E9D282D70}" type="datetimeFigureOut">
               <a:rPr lang="en-US" smtClean="0"/>
-              <a:t>1/9/25</a:t>
+              <a:t>1/12/25</a:t>
             </a:fld>
             <a:endParaRPr lang="en-US"/>
           </a:p>
@@ -6180,7 +6180,7 @@
           <a:p>
             <a:fld id="{2E405B87-0B1C-464B-928F-AA5E9D282D70}" type="datetimeFigureOut">
               <a:rPr lang="en-US" smtClean="0"/>
-              <a:t>1/9/25</a:t>
+              <a:t>1/12/25</a:t>
             </a:fld>
             <a:endParaRPr lang="en-US"/>
           </a:p>
@@ -6878,7 +6878,7 @@
           <a:p>
             <a:fld id="{2E405B87-0B1C-464B-928F-AA5E9D282D70}" type="datetimeFigureOut">
               <a:rPr lang="en-US" smtClean="0"/>
-              <a:t>1/9/25</a:t>
+              <a:t>1/12/25</a:t>
             </a:fld>
             <a:endParaRPr lang="en-US"/>
           </a:p>
@@ -7317,7 +7317,7 @@
           <a:p>
             <a:fld id="{2E405B87-0B1C-464B-928F-AA5E9D282D70}" type="datetimeFigureOut">
               <a:rPr lang="en-US" smtClean="0"/>
-              <a:t>1/9/25</a:t>
+              <a:t>1/12/25</a:t>
             </a:fld>
             <a:endParaRPr lang="en-US"/>
           </a:p>
@@ -7894,7 +7894,7 @@
           <a:p>
             <a:fld id="{2E405B87-0B1C-464B-928F-AA5E9D282D70}" type="datetimeFigureOut">
               <a:rPr lang="en-US" smtClean="0"/>
-              <a:t>1/9/25</a:t>
+              <a:t>1/12/25</a:t>
             </a:fld>
             <a:endParaRPr lang="en-US"/>
           </a:p>
@@ -8128,7 +8128,7 @@
           <a:p>
             <a:fld id="{2E405B87-0B1C-464B-928F-AA5E9D282D70}" type="datetimeFigureOut">
               <a:rPr lang="en-US" smtClean="0"/>
-              <a:t>1/9/25</a:t>
+              <a:t>1/12/25</a:t>
             </a:fld>
             <a:endParaRPr lang="en-US"/>
           </a:p>
@@ -8972,7 +8972,7 @@
           <a:p>
             <a:fld id="{2E405B87-0B1C-464B-928F-AA5E9D282D70}" type="datetimeFigureOut">
               <a:rPr lang="en-US" smtClean="0"/>
-              <a:t>1/9/25</a:t>
+              <a:t>1/12/25</a:t>
             </a:fld>
             <a:endParaRPr lang="en-US"/>
           </a:p>
@@ -9175,7 +9175,7 @@
           <a:p>
             <a:fld id="{2E405B87-0B1C-464B-928F-AA5E9D282D70}" type="datetimeFigureOut">
               <a:rPr lang="en-US" smtClean="0"/>
-              <a:t>1/9/25</a:t>
+              <a:t>1/12/25</a:t>
             </a:fld>
             <a:endParaRPr lang="en-US"/>
           </a:p>
@@ -9297,7 +9297,7 @@
           <a:p>
             <a:fld id="{2E405B87-0B1C-464B-928F-AA5E9D282D70}" type="datetimeFigureOut">
               <a:rPr lang="en-US" smtClean="0"/>
-              <a:t>1/9/25</a:t>
+              <a:t>1/12/25</a:t>
             </a:fld>
             <a:endParaRPr lang="en-US"/>
           </a:p>
@@ -9828,7 +9828,7 @@
           <a:p>
             <a:fld id="{2E405B87-0B1C-464B-928F-AA5E9D282D70}" type="datetimeFigureOut">
               <a:rPr lang="en-US" smtClean="0"/>
-              <a:t>1/9/25</a:t>
+              <a:t>1/12/25</a:t>
             </a:fld>
             <a:endParaRPr lang="en-US"/>
           </a:p>
@@ -10424,7 +10424,7 @@
           <a:p>
             <a:fld id="{2E405B87-0B1C-464B-928F-AA5E9D282D70}" type="datetimeFigureOut">
               <a:rPr lang="en-US" smtClean="0"/>
-              <a:t>1/9/25</a:t>
+              <a:t>1/12/25</a:t>
             </a:fld>
             <a:endParaRPr lang="en-US"/>
           </a:p>
@@ -11008,7 +11008,7 @@
           <a:p>
             <a:fld id="{2E405B87-0B1C-464B-928F-AA5E9D282D70}" type="datetimeFigureOut">
               <a:rPr lang="en-US" smtClean="0"/>
-              <a:t>1/9/25</a:t>
+              <a:t>1/12/25</a:t>
             </a:fld>
             <a:endParaRPr lang="en-US"/>
           </a:p>
@@ -12046,7 +12046,7 @@
 </file>
 
 <file path=ppt/slides/slide11.xml><?xml version="1.0" encoding="utf-8"?>
-<p:sld xmlns:a="http://schemas.openxmlformats.org/drawingml/2006/main" xmlns:r="http://schemas.openxmlformats.org/officeDocument/2006/relationships" xmlns:p="http://schemas.openxmlformats.org/presentationml/2006/main">
+<p:sld xmlns:a="http://schemas.openxmlformats.org/drawingml/2006/main" xmlns:r="http://schemas.openxmlformats.org/officeDocument/2006/relationships" xmlns:p="http://schemas.openxmlformats.org/presentationml/2006/main" show="0">
   <p:cSld>
     <p:spTree>
       <p:nvGrpSpPr>
@@ -12444,7 +12444,7 @@
 </file>
 
 <file path=ppt/slides/slide12.xml><?xml version="1.0" encoding="utf-8"?>
-<p:sld xmlns:a="http://schemas.openxmlformats.org/drawingml/2006/main" xmlns:r="http://schemas.openxmlformats.org/officeDocument/2006/relationships" xmlns:p="http://schemas.openxmlformats.org/presentationml/2006/main">
+<p:sld xmlns:a="http://schemas.openxmlformats.org/drawingml/2006/main" xmlns:r="http://schemas.openxmlformats.org/officeDocument/2006/relationships" xmlns:p="http://schemas.openxmlformats.org/presentationml/2006/main" show="0">
   <p:cSld>
     <p:spTree>
       <p:nvGrpSpPr>
@@ -13248,7 +13248,7 @@
 </file>
 
 <file path=ppt/slides/slide14.xml><?xml version="1.0" encoding="utf-8"?>
-<p:sld xmlns:a="http://schemas.openxmlformats.org/drawingml/2006/main" xmlns:r="http://schemas.openxmlformats.org/officeDocument/2006/relationships" xmlns:p="http://schemas.openxmlformats.org/presentationml/2006/main">
+<p:sld xmlns:a="http://schemas.openxmlformats.org/drawingml/2006/main" xmlns:r="http://schemas.openxmlformats.org/officeDocument/2006/relationships" xmlns:p="http://schemas.openxmlformats.org/presentationml/2006/main" show="0">
   <p:cSld>
     <p:spTree>
       <p:nvGrpSpPr>
